--- a/Docs/Презентация.pptx
+++ b/Docs/Презентация.pptx
@@ -212,7 +212,7 @@
           <a:p>
             <a:fld id="{AB655BBF-CB07-4276-8683-BC64C925BA2E}" type="datetimeFigureOut">
               <a:rPr lang="ru-RU" smtClean="0"/>
-              <a:t>09.06.2024</a:t>
+              <a:t>11.06.2024</a:t>
             </a:fld>
             <a:endParaRPr lang="ru-RU"/>
           </a:p>
@@ -1598,7 +1598,7 @@
           <a:p>
             <a:fld id="{1670CBDD-9CC7-4885-9392-E7D4E82CC5FB}" type="datetime1">
               <a:rPr lang="ru-RU" smtClean="0"/>
-              <a:t>09.06.2024</a:t>
+              <a:t>11.06.2024</a:t>
             </a:fld>
             <a:endParaRPr lang="ru-RU"/>
           </a:p>
@@ -1872,7 +1872,7 @@
           <a:p>
             <a:fld id="{BD092CC6-9E17-4105-B7BA-1B289FFD5373}" type="datetime1">
               <a:rPr lang="ru-RU" smtClean="0"/>
-              <a:t>09.06.2024</a:t>
+              <a:t>11.06.2024</a:t>
             </a:fld>
             <a:endParaRPr lang="ru-RU"/>
           </a:p>
@@ -2157,7 +2157,7 @@
           <a:p>
             <a:fld id="{048BAEC5-9685-425E-93D2-EE9A45A66A20}" type="datetime1">
               <a:rPr lang="ru-RU" smtClean="0"/>
-              <a:t>09.06.2024</a:t>
+              <a:t>11.06.2024</a:t>
             </a:fld>
             <a:endParaRPr lang="ru-RU"/>
           </a:p>
@@ -2444,7 +2444,7 @@
           <a:p>
             <a:fld id="{DB2B6C1E-41DA-43C3-8470-033442458B32}" type="datetime1">
               <a:rPr lang="ru-RU" smtClean="0"/>
-              <a:t>09.06.2024</a:t>
+              <a:t>11.06.2024</a:t>
             </a:fld>
             <a:endParaRPr lang="ru-RU"/>
           </a:p>
@@ -2637,7 +2637,7 @@
           <a:p>
             <a:fld id="{1D8BD707-D9CF-40AE-B4C6-C98DA3205C09}" type="datetimeFigureOut">
               <a:rPr lang="en-US"/>
-              <a:t>6/9/2024</a:t>
+              <a:t>6/11/2024</a:t>
             </a:fld>
             <a:endParaRPr lang="en-US"/>
           </a:p>
@@ -2751,7 +2751,7 @@
           <a:p>
             <a:fld id="{41220156-1F19-423B-916A-00FE1544E547}" type="datetime1">
               <a:rPr lang="ru-RU" smtClean="0"/>
-              <a:t>09.06.2024</a:t>
+              <a:t>11.06.2024</a:t>
             </a:fld>
             <a:endParaRPr lang="ru-RU"/>
           </a:p>
@@ -3437,7 +3437,7 @@
           <a:p>
             <a:fld id="{62FA6C5E-F016-4DD1-B751-BC6D4189A290}" type="datetime1">
               <a:rPr lang="ru-RU" smtClean="0"/>
-              <a:t>09.06.2024</a:t>
+              <a:t>11.06.2024</a:t>
             </a:fld>
             <a:endParaRPr lang="ru-RU"/>
           </a:p>
@@ -3731,7 +3731,7 @@
           <a:p>
             <a:fld id="{423FF2A3-8204-4FFB-97B4-11777FAC2D11}" type="datetime1">
               <a:rPr lang="ru-RU" smtClean="0"/>
-              <a:t>09.06.2024</a:t>
+              <a:t>11.06.2024</a:t>
             </a:fld>
             <a:endParaRPr lang="ru-RU"/>
           </a:p>
@@ -4291,7 +4291,7 @@
           <a:p>
             <a:fld id="{7FF62C2A-9038-402C-8B44-6E6A7E191CB4}" type="datetime1">
               <a:rPr lang="ru-RU" smtClean="0"/>
-              <a:t>09.06.2024</a:t>
+              <a:t>11.06.2024</a:t>
             </a:fld>
             <a:endParaRPr lang="ru-RU"/>
           </a:p>
@@ -4474,7 +4474,7 @@
           <a:p>
             <a:fld id="{3640C3FE-A620-4E7F-9051-725975F1F959}" type="datetime1">
               <a:rPr lang="ru-RU" smtClean="0"/>
-              <a:t>09.06.2024</a:t>
+              <a:t>11.06.2024</a:t>
             </a:fld>
             <a:endParaRPr lang="ru-RU"/>
           </a:p>
@@ -4614,7 +4614,7 @@
           <a:p>
             <a:fld id="{531CCE9D-409A-4693-BC2E-E3CB049CF114}" type="datetime1">
               <a:rPr lang="ru-RU" smtClean="0"/>
-              <a:t>09.06.2024</a:t>
+              <a:t>11.06.2024</a:t>
             </a:fld>
             <a:endParaRPr lang="ru-RU"/>
           </a:p>
@@ -4984,7 +4984,7 @@
           <a:p>
             <a:fld id="{D51FF4FF-D080-4A0C-83E6-743ED1F6C6A3}" type="datetime1">
               <a:rPr lang="ru-RU" smtClean="0"/>
-              <a:t>09.06.2024</a:t>
+              <a:t>11.06.2024</a:t>
             </a:fld>
             <a:endParaRPr lang="ru-RU"/>
           </a:p>
@@ -5307,7 +5307,7 @@
           <a:p>
             <a:fld id="{005EE246-4692-42C4-8F08-1F53567CA97F}" type="datetime1">
               <a:rPr lang="ru-RU" smtClean="0"/>
-              <a:t>09.06.2024</a:t>
+              <a:t>11.06.2024</a:t>
             </a:fld>
             <a:endParaRPr lang="ru-RU"/>
           </a:p>
@@ -5561,7 +5561,7 @@
           <a:p>
             <a:fld id="{A9690DFC-0377-47BF-A277-9CF6A871BB6A}" type="datetime1">
               <a:rPr lang="ru-RU" smtClean="0"/>
-              <a:t>09.06.2024</a:t>
+              <a:t>11.06.2024</a:t>
             </a:fld>
             <a:endParaRPr lang="ru-RU"/>
           </a:p>
@@ -7230,7 +7230,7 @@
                 <a:latin typeface="Times New Roman" panose="02020603050405020304" pitchFamily="18" charset="0"/>
                 <a:cs typeface="Times New Roman" panose="02020603050405020304" pitchFamily="18" charset="0"/>
               </a:rPr>
-              <a:t>В современных городах с высоким уровнем урбанизации управление службой пассажирских перевозок становится критически важным. Увеличивающийся поток пассажиров и необходимость обеспечения высокого уровня сервиса создают значительные трудности для транспортных компаний. </a:t>
+              <a:t>Современные службы пассажирских перевозок сталкиваются с рядом проблем, таких как неэффективное управление транспортными средствами, недостаточная прозрачность для пассажиров и высокие операционные расходы.</a:t>
             </a:r>
             <a:endParaRPr lang="ru-RU" dirty="0"/>
           </a:p>
@@ -7349,20 +7349,8 @@
                 <a:latin typeface="Times New Roman" panose="02020603050405020304" pitchFamily="18" charset="0"/>
                 <a:cs typeface="Times New Roman" panose="02020603050405020304" pitchFamily="18" charset="0"/>
               </a:rPr>
-              <a:t>Цель нашего проекта - разработать информационную систему, которая автоматизирует и оптимизирует управление службой пассажирских перевозок.</a:t>
-            </a:r>
-          </a:p>
-          <a:p>
-            <a:pPr marL="0" indent="0" algn="just">
-              <a:buNone/>
-            </a:pPr>
-            <a:endParaRPr lang="ru-RU" sz="2800" dirty="0">
-              <a:solidFill>
-                <a:schemeClr val="tx1"/>
-              </a:solidFill>
-              <a:latin typeface="Times New Roman" panose="02020603050405020304" pitchFamily="18" charset="0"/>
-              <a:cs typeface="Times New Roman" panose="02020603050405020304" pitchFamily="18" charset="0"/>
-            </a:endParaRPr>
+              <a:t>Цель проекта — создать интегрированную систему управления службой пассажирских перевозок, которая обеспечит эффективное использование ресурсов, повысит удовлетворенность пассажиров и снизит операционные расходы.</a:t>
+            </a:r>
           </a:p>
         </p:txBody>
       </p:sp>
@@ -7538,52 +7526,6 @@
                 <a:cs typeface="Times New Roman" panose="02020603050405020304" pitchFamily="18" charset="0"/>
               </a:rPr>
               <a:t>Задачи:</a:t>
-            </a:r>
-          </a:p>
-          <a:p>
-            <a:pPr algn="just"/>
-            <a:r>
-              <a:rPr lang="ru-RU" sz="2800" dirty="0">
-                <a:solidFill>
-                  <a:schemeClr val="tx1"/>
-                </a:solidFill>
-                <a:latin typeface="Times New Roman" panose="02020603050405020304" pitchFamily="18" charset="0"/>
-                <a:cs typeface="Times New Roman" panose="02020603050405020304" pitchFamily="18" charset="0"/>
-              </a:rPr>
-              <a:t>Разработка базы данных для хранения информации о маршрутах, транспортных средствах, заказах и пользователях.</a:t>
-            </a:r>
-          </a:p>
-          <a:p>
-            <a:pPr algn="just"/>
-            <a:r>
-              <a:rPr lang="ru-RU" sz="2800" dirty="0">
-                <a:solidFill>
-                  <a:schemeClr val="tx1"/>
-                </a:solidFill>
-                <a:latin typeface="Times New Roman" panose="02020603050405020304" pitchFamily="18" charset="0"/>
-                <a:cs typeface="Times New Roman" panose="02020603050405020304" pitchFamily="18" charset="0"/>
-              </a:rPr>
-              <a:t>Создание </a:t>
-            </a:r>
-            <a:r>
-              <a:rPr lang="ru-RU" sz="2800" dirty="0" err="1">
-                <a:solidFill>
-                  <a:schemeClr val="tx1"/>
-                </a:solidFill>
-                <a:latin typeface="Times New Roman" panose="02020603050405020304" pitchFamily="18" charset="0"/>
-                <a:cs typeface="Times New Roman" panose="02020603050405020304" pitchFamily="18" charset="0"/>
-              </a:rPr>
-              <a:t>RESTful</a:t>
-            </a:r>
-            <a:r>
-              <a:rPr lang="ru-RU" sz="2800" dirty="0">
-                <a:solidFill>
-                  <a:schemeClr val="tx1"/>
-                </a:solidFill>
-                <a:latin typeface="Times New Roman" panose="02020603050405020304" pitchFamily="18" charset="0"/>
-                <a:cs typeface="Times New Roman" panose="02020603050405020304" pitchFamily="18" charset="0"/>
-              </a:rPr>
-              <a:t> API для взаимодействия клиентских приложений с сервером.</a:t>
             </a:r>
           </a:p>
           <a:p>
